--- a/Dejan/Introduction.pptx
+++ b/Dejan/Introduction.pptx
@@ -7,8 +7,8 @@
   <p:sldIdLst>
     <p:sldId id="256" r:id="rId2"/>
     <p:sldId id="258" r:id="rId3"/>
-    <p:sldId id="257" r:id="rId4"/>
-    <p:sldId id="259" r:id="rId5"/>
+    <p:sldId id="259" r:id="rId4"/>
+    <p:sldId id="257" r:id="rId5"/>
     <p:sldId id="260" r:id="rId6"/>
   </p:sldIdLst>
   <p:sldSz cx="9144000" cy="6858000" type="screen4x3"/>
@@ -293,7 +293,7 @@
             <a:fld id="{1D8BD707-D9CF-40AE-B4C6-C98DA3205C09}" type="datetimeFigureOut">
               <a:rPr lang="en-US" smtClean="0"/>
               <a:pPr/>
-              <a:t>4/14/2015</a:t>
+              <a:t>4/19/2015</a:t>
             </a:fld>
             <a:endParaRPr lang="en-US"/>
           </a:p>
@@ -460,7 +460,7 @@
             <a:fld id="{1D8BD707-D9CF-40AE-B4C6-C98DA3205C09}" type="datetimeFigureOut">
               <a:rPr lang="en-US" smtClean="0"/>
               <a:pPr/>
-              <a:t>4/14/2015</a:t>
+              <a:t>4/19/2015</a:t>
             </a:fld>
             <a:endParaRPr lang="en-US"/>
           </a:p>
@@ -637,7 +637,7 @@
             <a:fld id="{1D8BD707-D9CF-40AE-B4C6-C98DA3205C09}" type="datetimeFigureOut">
               <a:rPr lang="en-US" smtClean="0"/>
               <a:pPr/>
-              <a:t>4/14/2015</a:t>
+              <a:t>4/19/2015</a:t>
             </a:fld>
             <a:endParaRPr lang="en-US"/>
           </a:p>
@@ -804,7 +804,7 @@
             <a:fld id="{1D8BD707-D9CF-40AE-B4C6-C98DA3205C09}" type="datetimeFigureOut">
               <a:rPr lang="en-US" smtClean="0"/>
               <a:pPr/>
-              <a:t>4/14/2015</a:t>
+              <a:t>4/19/2015</a:t>
             </a:fld>
             <a:endParaRPr lang="en-US"/>
           </a:p>
@@ -1047,7 +1047,7 @@
             <a:fld id="{1D8BD707-D9CF-40AE-B4C6-C98DA3205C09}" type="datetimeFigureOut">
               <a:rPr lang="en-US" smtClean="0"/>
               <a:pPr/>
-              <a:t>4/14/2015</a:t>
+              <a:t>4/19/2015</a:t>
             </a:fld>
             <a:endParaRPr lang="en-US"/>
           </a:p>
@@ -1332,7 +1332,7 @@
             <a:fld id="{1D8BD707-D9CF-40AE-B4C6-C98DA3205C09}" type="datetimeFigureOut">
               <a:rPr lang="en-US" smtClean="0"/>
               <a:pPr/>
-              <a:t>4/14/2015</a:t>
+              <a:t>4/19/2015</a:t>
             </a:fld>
             <a:endParaRPr lang="en-US"/>
           </a:p>
@@ -1751,7 +1751,7 @@
             <a:fld id="{1D8BD707-D9CF-40AE-B4C6-C98DA3205C09}" type="datetimeFigureOut">
               <a:rPr lang="en-US" smtClean="0"/>
               <a:pPr/>
-              <a:t>4/14/2015</a:t>
+              <a:t>4/19/2015</a:t>
             </a:fld>
             <a:endParaRPr lang="en-US"/>
           </a:p>
@@ -1866,7 +1866,7 @@
             <a:fld id="{1D8BD707-D9CF-40AE-B4C6-C98DA3205C09}" type="datetimeFigureOut">
               <a:rPr lang="en-US" smtClean="0"/>
               <a:pPr/>
-              <a:t>4/14/2015</a:t>
+              <a:t>4/19/2015</a:t>
             </a:fld>
             <a:endParaRPr lang="en-US"/>
           </a:p>
@@ -1958,7 +1958,7 @@
             <a:fld id="{1D8BD707-D9CF-40AE-B4C6-C98DA3205C09}" type="datetimeFigureOut">
               <a:rPr lang="en-US" smtClean="0"/>
               <a:pPr/>
-              <a:t>4/14/2015</a:t>
+              <a:t>4/19/2015</a:t>
             </a:fld>
             <a:endParaRPr lang="en-US"/>
           </a:p>
@@ -2232,7 +2232,7 @@
             <a:fld id="{1D8BD707-D9CF-40AE-B4C6-C98DA3205C09}" type="datetimeFigureOut">
               <a:rPr lang="en-US" smtClean="0"/>
               <a:pPr/>
-              <a:t>4/14/2015</a:t>
+              <a:t>4/19/2015</a:t>
             </a:fld>
             <a:endParaRPr lang="en-US"/>
           </a:p>
@@ -2482,7 +2482,7 @@
             <a:fld id="{1D8BD707-D9CF-40AE-B4C6-C98DA3205C09}" type="datetimeFigureOut">
               <a:rPr lang="en-US" smtClean="0"/>
               <a:pPr/>
-              <a:t>4/14/2015</a:t>
+              <a:t>4/19/2015</a:t>
             </a:fld>
             <a:endParaRPr lang="en-US"/>
           </a:p>
@@ -2692,7 +2692,7 @@
             <a:fld id="{1D8BD707-D9CF-40AE-B4C6-C98DA3205C09}" type="datetimeFigureOut">
               <a:rPr lang="en-US" smtClean="0"/>
               <a:pPr/>
-              <a:t>4/14/2015</a:t>
+              <a:t>4/19/2015</a:t>
             </a:fld>
             <a:endParaRPr lang="en-US"/>
           </a:p>
@@ -3103,7 +3103,23 @@
           <a:p>
             <a:r>
               <a:rPr lang="en-AU" dirty="0" smtClean="0"/>
-              <a:t>Dejan Vasic &amp; Michael Blackley</a:t>
+              <a:t>Dejan (Dean) </a:t>
+            </a:r>
+            <a:r>
+              <a:rPr lang="en-AU" smtClean="0"/>
+              <a:t>Vasic </a:t>
+            </a:r>
+          </a:p>
+          <a:p>
+            <a:r>
+              <a:rPr lang="en-AU" smtClean="0"/>
+              <a:t>&amp; </a:t>
+            </a:r>
+          </a:p>
+          <a:p>
+            <a:r>
+              <a:rPr lang="en-AU" dirty="0" smtClean="0"/>
+              <a:t>Michael Blackley</a:t>
             </a:r>
             <a:endParaRPr lang="en-AU" dirty="0"/>
           </a:p>
@@ -3172,7 +3188,12 @@
             <p:ph idx="1"/>
           </p:nvPr>
         </p:nvSpPr>
-        <p:spPr/>
+        <p:spPr>
+          <a:xfrm>
+            <a:off x="457200" y="1600201"/>
+            <a:ext cx="8229600" cy="4191000"/>
+          </a:xfrm>
+        </p:spPr>
         <p:txBody>
           <a:bodyPr/>
           <a:lstStyle/>
@@ -3215,7 +3236,6 @@
               <a:rPr lang="en-AU" dirty="0" smtClean="0"/>
               <a:t>8 years experience in Melbourne including Human Resources, Talent Management and Insurance</a:t>
             </a:r>
-            <a:endParaRPr lang="en-AU" dirty="0" smtClean="0"/>
           </a:p>
         </p:txBody>
       </p:sp>
@@ -3233,6 +3253,111 @@
 </file>
 
 <file path=ppt/slides/slide3.xml><?xml version="1.0" encoding="utf-8"?>
+<p:sld xmlns:a="http://schemas.openxmlformats.org/drawingml/2006/main" xmlns:r="http://schemas.openxmlformats.org/officeDocument/2006/relationships" xmlns:p="http://schemas.openxmlformats.org/presentationml/2006/main">
+  <p:cSld>
+    <p:spTree>
+      <p:nvGrpSpPr>
+        <p:cNvPr id="1" name=""/>
+        <p:cNvGrpSpPr/>
+        <p:nvPr/>
+      </p:nvGrpSpPr>
+      <p:grpSpPr>
+        <a:xfrm>
+          <a:off x="0" y="0"/>
+          <a:ext cx="0" cy="0"/>
+          <a:chOff x="0" y="0"/>
+          <a:chExt cx="0" cy="0"/>
+        </a:xfrm>
+      </p:grpSpPr>
+      <p:sp>
+        <p:nvSpPr>
+          <p:cNvPr id="2" name="Title 1"/>
+          <p:cNvSpPr>
+            <a:spLocks noGrp="1"/>
+          </p:cNvSpPr>
+          <p:nvPr>
+            <p:ph type="title"/>
+          </p:nvPr>
+        </p:nvSpPr>
+        <p:spPr/>
+        <p:txBody>
+          <a:bodyPr/>
+          <a:lstStyle/>
+          <a:p>
+            <a:r>
+              <a:rPr lang="en-AU" dirty="0" smtClean="0"/>
+              <a:t>Languages</a:t>
+            </a:r>
+            <a:endParaRPr lang="en-AU" dirty="0"/>
+          </a:p>
+        </p:txBody>
+      </p:sp>
+      <p:sp>
+        <p:nvSpPr>
+          <p:cNvPr id="3" name="Content Placeholder 2"/>
+          <p:cNvSpPr>
+            <a:spLocks noGrp="1"/>
+          </p:cNvSpPr>
+          <p:nvPr>
+            <p:ph idx="1"/>
+          </p:nvPr>
+        </p:nvSpPr>
+        <p:spPr/>
+        <p:txBody>
+          <a:bodyPr/>
+          <a:lstStyle/>
+          <a:p>
+            <a:r>
+              <a:rPr lang="en-AU" dirty="0" smtClean="0"/>
+              <a:t>C#</a:t>
+            </a:r>
+          </a:p>
+          <a:p>
+            <a:r>
+              <a:rPr lang="en-AU" dirty="0" smtClean="0"/>
+              <a:t>SQL</a:t>
+            </a:r>
+          </a:p>
+          <a:p>
+            <a:r>
+              <a:rPr lang="en-AU" dirty="0" smtClean="0"/>
+              <a:t>JavaScript + CSS + HTML</a:t>
+            </a:r>
+          </a:p>
+          <a:p>
+            <a:r>
+              <a:rPr lang="en-AU" dirty="0" smtClean="0"/>
+              <a:t>PowerShell</a:t>
+            </a:r>
+          </a:p>
+          <a:p>
+            <a:r>
+              <a:rPr lang="en-AU" dirty="0" smtClean="0"/>
+              <a:t>Ruby (chef)</a:t>
+            </a:r>
+          </a:p>
+          <a:p>
+            <a:endParaRPr lang="en-AU" dirty="0" smtClean="0"/>
+          </a:p>
+          <a:p>
+            <a:endParaRPr lang="en-AU" dirty="0" smtClean="0"/>
+          </a:p>
+        </p:txBody>
+      </p:sp>
+    </p:spTree>
+    <p:extLst>
+      <p:ext uri="{BB962C8B-B14F-4D97-AF65-F5344CB8AC3E}">
+        <p14:creationId xmlns:p14="http://schemas.microsoft.com/office/powerpoint/2010/main" val="1849727439"/>
+      </p:ext>
+    </p:extLst>
+  </p:cSld>
+  <p:clrMapOvr>
+    <a:masterClrMapping/>
+  </p:clrMapOvr>
+</p:sld>
+</file>
+
+<file path=ppt/slides/slide4.xml><?xml version="1.0" encoding="utf-8"?>
 <p:sld xmlns:a="http://schemas.openxmlformats.org/drawingml/2006/main" xmlns:r="http://schemas.openxmlformats.org/officeDocument/2006/relationships" xmlns:p="http://schemas.openxmlformats.org/presentationml/2006/main">
   <p:cSld>
     <p:spTree>
@@ -3911,7 +4036,7 @@
         </p:blipFill>
         <p:spPr bwMode="auto">
           <a:xfrm>
-            <a:off x="6751255" y="5130081"/>
+            <a:off x="6794318" y="5104401"/>
             <a:ext cx="817125" cy="837153"/>
           </a:xfrm>
           <a:prstGeom prst="rect">
@@ -4054,111 +4179,6 @@
     <p:extLst>
       <p:ext uri="{BB962C8B-B14F-4D97-AF65-F5344CB8AC3E}">
         <p14:creationId xmlns:p14="http://schemas.microsoft.com/office/powerpoint/2010/main" val="998122187"/>
-      </p:ext>
-    </p:extLst>
-  </p:cSld>
-  <p:clrMapOvr>
-    <a:masterClrMapping/>
-  </p:clrMapOvr>
-</p:sld>
-</file>
-
-<file path=ppt/slides/slide4.xml><?xml version="1.0" encoding="utf-8"?>
-<p:sld xmlns:a="http://schemas.openxmlformats.org/drawingml/2006/main" xmlns:r="http://schemas.openxmlformats.org/officeDocument/2006/relationships" xmlns:p="http://schemas.openxmlformats.org/presentationml/2006/main">
-  <p:cSld>
-    <p:spTree>
-      <p:nvGrpSpPr>
-        <p:cNvPr id="1" name=""/>
-        <p:cNvGrpSpPr/>
-        <p:nvPr/>
-      </p:nvGrpSpPr>
-      <p:grpSpPr>
-        <a:xfrm>
-          <a:off x="0" y="0"/>
-          <a:ext cx="0" cy="0"/>
-          <a:chOff x="0" y="0"/>
-          <a:chExt cx="0" cy="0"/>
-        </a:xfrm>
-      </p:grpSpPr>
-      <p:sp>
-        <p:nvSpPr>
-          <p:cNvPr id="2" name="Title 1"/>
-          <p:cNvSpPr>
-            <a:spLocks noGrp="1"/>
-          </p:cNvSpPr>
-          <p:nvPr>
-            <p:ph type="title"/>
-          </p:nvPr>
-        </p:nvSpPr>
-        <p:spPr/>
-        <p:txBody>
-          <a:bodyPr/>
-          <a:lstStyle/>
-          <a:p>
-            <a:r>
-              <a:rPr lang="en-AU" dirty="0" smtClean="0"/>
-              <a:t>Languages</a:t>
-            </a:r>
-            <a:endParaRPr lang="en-AU" dirty="0"/>
-          </a:p>
-        </p:txBody>
-      </p:sp>
-      <p:sp>
-        <p:nvSpPr>
-          <p:cNvPr id="3" name="Content Placeholder 2"/>
-          <p:cNvSpPr>
-            <a:spLocks noGrp="1"/>
-          </p:cNvSpPr>
-          <p:nvPr>
-            <p:ph idx="1"/>
-          </p:nvPr>
-        </p:nvSpPr>
-        <p:spPr/>
-        <p:txBody>
-          <a:bodyPr/>
-          <a:lstStyle/>
-          <a:p>
-            <a:r>
-              <a:rPr lang="en-AU" dirty="0" smtClean="0"/>
-              <a:t>C#</a:t>
-            </a:r>
-          </a:p>
-          <a:p>
-            <a:r>
-              <a:rPr lang="en-AU" dirty="0" smtClean="0"/>
-              <a:t>SQL</a:t>
-            </a:r>
-          </a:p>
-          <a:p>
-            <a:r>
-              <a:rPr lang="en-AU" dirty="0" smtClean="0"/>
-              <a:t>JavaScript + CSS + HTML</a:t>
-            </a:r>
-          </a:p>
-          <a:p>
-            <a:r>
-              <a:rPr lang="en-AU" dirty="0" smtClean="0"/>
-              <a:t>PowerShell</a:t>
-            </a:r>
-          </a:p>
-          <a:p>
-            <a:r>
-              <a:rPr lang="en-AU" dirty="0" smtClean="0"/>
-              <a:t>Ruby (chef)</a:t>
-            </a:r>
-          </a:p>
-          <a:p>
-            <a:endParaRPr lang="en-AU" dirty="0" smtClean="0"/>
-          </a:p>
-          <a:p>
-            <a:endParaRPr lang="en-AU" dirty="0" smtClean="0"/>
-          </a:p>
-        </p:txBody>
-      </p:sp>
-    </p:spTree>
-    <p:extLst>
-      <p:ext uri="{BB962C8B-B14F-4D97-AF65-F5344CB8AC3E}">
-        <p14:creationId xmlns:p14="http://schemas.microsoft.com/office/powerpoint/2010/main" val="1849727439"/>
       </p:ext>
     </p:extLst>
   </p:cSld>
